--- a/2024-FALL/Week01.pptx
+++ b/2024-FALL/Week01.pptx
@@ -275,7 +275,7 @@
           <a:p>
             <a:fld id="{2B1919C7-6BC3-4736-AC32-A62C7B81C82C}" type="datetimeFigureOut">
               <a:rPr lang="en-US" smtClean="0"/>
-              <a:t>8/21/2024</a:t>
+              <a:t>8/22/2024</a:t>
             </a:fld>
             <a:endParaRPr lang="en-US"/>
           </a:p>
@@ -473,7 +473,7 @@
           <a:p>
             <a:fld id="{2B1919C7-6BC3-4736-AC32-A62C7B81C82C}" type="datetimeFigureOut">
               <a:rPr lang="en-US" smtClean="0"/>
-              <a:t>8/21/2024</a:t>
+              <a:t>8/22/2024</a:t>
             </a:fld>
             <a:endParaRPr lang="en-US"/>
           </a:p>
@@ -681,7 +681,7 @@
           <a:p>
             <a:fld id="{2B1919C7-6BC3-4736-AC32-A62C7B81C82C}" type="datetimeFigureOut">
               <a:rPr lang="en-US" smtClean="0"/>
-              <a:t>8/21/2024</a:t>
+              <a:t>8/22/2024</a:t>
             </a:fld>
             <a:endParaRPr lang="en-US"/>
           </a:p>
@@ -879,7 +879,7 @@
           <a:p>
             <a:fld id="{2B1919C7-6BC3-4736-AC32-A62C7B81C82C}" type="datetimeFigureOut">
               <a:rPr lang="en-US" smtClean="0"/>
-              <a:t>8/21/2024</a:t>
+              <a:t>8/22/2024</a:t>
             </a:fld>
             <a:endParaRPr lang="en-US"/>
           </a:p>
@@ -1154,7 +1154,7 @@
           <a:p>
             <a:fld id="{2B1919C7-6BC3-4736-AC32-A62C7B81C82C}" type="datetimeFigureOut">
               <a:rPr lang="en-US" smtClean="0"/>
-              <a:t>8/21/2024</a:t>
+              <a:t>8/22/2024</a:t>
             </a:fld>
             <a:endParaRPr lang="en-US"/>
           </a:p>
@@ -1419,7 +1419,7 @@
           <a:p>
             <a:fld id="{2B1919C7-6BC3-4736-AC32-A62C7B81C82C}" type="datetimeFigureOut">
               <a:rPr lang="en-US" smtClean="0"/>
-              <a:t>8/21/2024</a:t>
+              <a:t>8/22/2024</a:t>
             </a:fld>
             <a:endParaRPr lang="en-US"/>
           </a:p>
@@ -1831,7 +1831,7 @@
           <a:p>
             <a:fld id="{2B1919C7-6BC3-4736-AC32-A62C7B81C82C}" type="datetimeFigureOut">
               <a:rPr lang="en-US" smtClean="0"/>
-              <a:t>8/21/2024</a:t>
+              <a:t>8/22/2024</a:t>
             </a:fld>
             <a:endParaRPr lang="en-US"/>
           </a:p>
@@ -1972,7 +1972,7 @@
           <a:p>
             <a:fld id="{2B1919C7-6BC3-4736-AC32-A62C7B81C82C}" type="datetimeFigureOut">
               <a:rPr lang="en-US" smtClean="0"/>
-              <a:t>8/21/2024</a:t>
+              <a:t>8/22/2024</a:t>
             </a:fld>
             <a:endParaRPr lang="en-US"/>
           </a:p>
@@ -2085,7 +2085,7 @@
           <a:p>
             <a:fld id="{2B1919C7-6BC3-4736-AC32-A62C7B81C82C}" type="datetimeFigureOut">
               <a:rPr lang="en-US" smtClean="0"/>
-              <a:t>8/21/2024</a:t>
+              <a:t>8/22/2024</a:t>
             </a:fld>
             <a:endParaRPr lang="en-US"/>
           </a:p>
@@ -2396,7 +2396,7 @@
           <a:p>
             <a:fld id="{2B1919C7-6BC3-4736-AC32-A62C7B81C82C}" type="datetimeFigureOut">
               <a:rPr lang="en-US" smtClean="0"/>
-              <a:t>8/21/2024</a:t>
+              <a:t>8/22/2024</a:t>
             </a:fld>
             <a:endParaRPr lang="en-US"/>
           </a:p>
@@ -2684,7 +2684,7 @@
           <a:p>
             <a:fld id="{2B1919C7-6BC3-4736-AC32-A62C7B81C82C}" type="datetimeFigureOut">
               <a:rPr lang="en-US" smtClean="0"/>
-              <a:t>8/21/2024</a:t>
+              <a:t>8/22/2024</a:t>
             </a:fld>
             <a:endParaRPr lang="en-US"/>
           </a:p>
@@ -2925,7 +2925,7 @@
           <a:p>
             <a:fld id="{2B1919C7-6BC3-4736-AC32-A62C7B81C82C}" type="datetimeFigureOut">
               <a:rPr lang="en-US" smtClean="0"/>
-              <a:t>8/21/2024</a:t>
+              <a:t>8/22/2024</a:t>
             </a:fld>
             <a:endParaRPr lang="en-US"/>
           </a:p>
@@ -5011,8 +5011,13 @@
           <a:p>
             <a:r>
               <a:rPr lang="en-US" dirty="0"/>
-              <a:t>Getting started with Blackboard</a:t>
-            </a:r>
+              <a:t>Getting started </a:t>
+            </a:r>
+            <a:r>
+              <a:rPr lang="en-US"/>
+              <a:t>with Canvas</a:t>
+            </a:r>
+            <a:endParaRPr lang="en-US" dirty="0"/>
           </a:p>
           <a:p>
             <a:r>
